--- a/Assignment 3.pptx
+++ b/Assignment 3.pptx
@@ -4019,8 +4019,8 @@
           </a:p>
         </p:txBody>
       </p:sp>
-      <mc:AlternateContent xmlns:mc="http://schemas.openxmlformats.org/markup-compatibility/2006">
-        <mc:Choice xmlns:a14="http://schemas.microsoft.com/office/drawing/2010/main" Requires="a14">
+      <mc:AlternateContent xmlns:mc="http://schemas.openxmlformats.org/markup-compatibility/2006" xmlns:a14="http://schemas.microsoft.com/office/drawing/2010/main">
+        <mc:Choice Requires="a14">
           <p:sp>
             <p:nvSpPr>
               <p:cNvPr id="3" name="Content Placeholder 2">
@@ -4092,7 +4092,7 @@
             </p:txBody>
           </p:sp>
         </mc:Choice>
-        <mc:Fallback>
+        <mc:Fallback xmlns="">
           <p:sp>
             <p:nvSpPr>
               <p:cNvPr id="3" name="Content Placeholder 2">
@@ -4590,8 +4590,8 @@
           </a:p>
         </p:txBody>
       </p:sp>
-      <mc:AlternateContent xmlns:mc="http://schemas.openxmlformats.org/markup-compatibility/2006">
-        <mc:Choice xmlns:a14="http://schemas.microsoft.com/office/drawing/2010/main" Requires="a14">
+      <mc:AlternateContent xmlns:mc="http://schemas.openxmlformats.org/markup-compatibility/2006" xmlns:a14="http://schemas.microsoft.com/office/drawing/2010/main">
+        <mc:Choice Requires="a14">
           <p:sp>
             <p:nvSpPr>
               <p:cNvPr id="3" name="Content Placeholder 2">
@@ -4695,7 +4695,7 @@
             </p:txBody>
           </p:sp>
         </mc:Choice>
-        <mc:Fallback>
+        <mc:Fallback xmlns="">
           <p:sp>
             <p:nvSpPr>
               <p:cNvPr id="3" name="Content Placeholder 2">
@@ -4793,8 +4793,8 @@
           </a:p>
         </p:txBody>
       </p:sp>
-      <mc:AlternateContent xmlns:mc="http://schemas.openxmlformats.org/markup-compatibility/2006">
-        <mc:Choice xmlns:a14="http://schemas.microsoft.com/office/drawing/2010/main" Requires="a14">
+      <mc:AlternateContent xmlns:mc="http://schemas.openxmlformats.org/markup-compatibility/2006" xmlns:a14="http://schemas.microsoft.com/office/drawing/2010/main">
+        <mc:Choice Requires="a14">
           <p:sp>
             <p:nvSpPr>
               <p:cNvPr id="3" name="Content Placeholder 2">
@@ -4936,7 +4936,7 @@
             </p:txBody>
           </p:sp>
         </mc:Choice>
-        <mc:Fallback>
+        <mc:Fallback xmlns="">
           <p:sp>
             <p:nvSpPr>
               <p:cNvPr id="3" name="Content Placeholder 2">
@@ -5498,8 +5498,8 @@
           </a:p>
         </p:txBody>
       </p:sp>
-      <mc:AlternateContent xmlns:mc="http://schemas.openxmlformats.org/markup-compatibility/2006">
-        <mc:Choice xmlns:a14="http://schemas.microsoft.com/office/drawing/2010/main" Requires="a14">
+      <mc:AlternateContent xmlns:mc="http://schemas.openxmlformats.org/markup-compatibility/2006" xmlns:a14="http://schemas.microsoft.com/office/drawing/2010/main">
+        <mc:Choice Requires="a14">
           <p:sp>
             <p:nvSpPr>
               <p:cNvPr id="3" name="Content Placeholder 2">
@@ -5689,7 +5689,7 @@
             </p:txBody>
           </p:sp>
         </mc:Choice>
-        <mc:Fallback>
+        <mc:Fallback xmlns="">
           <p:sp>
             <p:nvSpPr>
               <p:cNvPr id="3" name="Content Placeholder 2">
@@ -5834,35 +5834,63 @@
                 </a14:m>
                 <a:r>
                   <a:rPr lang="en-US" sz="2400" dirty="0"/>
-                  <a:t> total of the bundle: if the bundle reaches a certain threshold (i.e. </a:t>
+                  <a:t> total of the bundle: if the bundle reaches a certain threshold </a:t>
+                </a:r>
+              </a:p>
+              <a:p>
+                <a:pPr marL="0" indent="0">
+                  <a:buNone/>
+                </a:pPr>
+                <a:r>
+                  <a:rPr lang="en-US" sz="2400" dirty="0"/>
+                  <a:t>		</a:t>
                 </a:r>
                 <a14:m>
                   <m:oMath xmlns:m="http://schemas.openxmlformats.org/officeDocument/2006/math">
+                    <m:f>
+                      <m:fPr>
+                        <m:ctrlPr>
+                          <a:rPr lang="en-US" sz="2400" b="0" i="0" smtClean="0">
+                            <a:latin typeface="Cambria Math" panose="02040503050406030204" pitchFamily="18" charset="0"/>
+                          </a:rPr>
+                        </m:ctrlPr>
+                      </m:fPr>
+                      <m:num>
+                        <m:r>
+                          <a:rPr lang="en-US" sz="2400" b="0" i="0" smtClean="0">
+                            <a:latin typeface="Cambria Math" panose="02040503050406030204" pitchFamily="18" charset="0"/>
+                          </a:rPr>
+                          <m:t>1</m:t>
+                        </m:r>
+                      </m:num>
+                      <m:den>
+                        <m:r>
+                          <a:rPr lang="en-US" sz="2400" b="0" i="1" smtClean="0">
+                            <a:latin typeface="Cambria Math" panose="02040503050406030204" pitchFamily="18" charset="0"/>
+                          </a:rPr>
+                          <m:t>𝑎</m:t>
+                        </m:r>
+                      </m:den>
+                    </m:f>
                     <m:r>
                       <a:rPr lang="en-US" sz="2400" b="0" i="1" smtClean="0">
                         <a:latin typeface="Cambria Math" panose="02040503050406030204" pitchFamily="18" charset="0"/>
                       </a:rPr>
-                      <m:t>𝑎</m:t>
-                    </m:r>
-                    <m:r>
-                      <a:rPr lang="en-US" sz="2400" b="0" i="1" smtClean="0">
-                        <a:latin typeface="Cambria Math" panose="02040503050406030204" pitchFamily="18" charset="0"/>
-                      </a:rPr>
-                      <m:t> ∗</m:t>
+                      <m:t> ∗ </m:t>
                     </m:r>
                     <m:nary>
                       <m:naryPr>
                         <m:chr m:val="∑"/>
                         <m:supHide m:val="on"/>
                         <m:ctrlPr>
-                          <a:rPr lang="en-US" sz="2400" b="0" i="1" smtClean="0">
+                          <a:rPr lang="en-US" sz="2400" i="1">
                             <a:latin typeface="Cambria Math" panose="02040503050406030204" pitchFamily="18" charset="0"/>
                           </a:rPr>
                         </m:ctrlPr>
                       </m:naryPr>
                       <m:sub>
                         <m:r>
-                          <a:rPr lang="en-US" sz="2400" b="0" i="1" smtClean="0">
+                          <a:rPr lang="en-US" sz="2400" i="1">
                             <a:latin typeface="Cambria Math" panose="02040503050406030204" pitchFamily="18" charset="0"/>
                           </a:rPr>
                           <m:t>𝑖</m:t>
@@ -5871,7 +5899,7 @@
                       <m:sup/>
                       <m:e>
                         <m:r>
-                          <a:rPr lang="en-US" sz="2400" b="0" i="1" smtClean="0">
+                          <a:rPr lang="en-US" sz="2400" i="1" smtClean="0">
                             <a:latin typeface="Cambria Math" panose="02040503050406030204" pitchFamily="18" charset="0"/>
                           </a:rPr>
                           <m:t>𝑝𝑟𝑜𝑗𝑒𝑐𝑡𝑒𝑑𝑀𝑎𝑥𝑉𝑎𝑙</m:t>
@@ -5879,14 +5907,14 @@
                         <m:d>
                           <m:dPr>
                             <m:ctrlPr>
-                              <a:rPr lang="en-US" sz="2400" b="0" i="1" smtClean="0">
+                              <a:rPr lang="en-US" sz="2400" i="1">
                                 <a:latin typeface="Cambria Math" panose="02040503050406030204" pitchFamily="18" charset="0"/>
                               </a:rPr>
                             </m:ctrlPr>
                           </m:dPr>
                           <m:e>
                             <m:r>
-                              <a:rPr lang="en-US" sz="2400" b="0" i="1" smtClean="0">
+                              <a:rPr lang="en-US" sz="2400" i="1">
                                 <a:latin typeface="Cambria Math" panose="02040503050406030204" pitchFamily="18" charset="0"/>
                               </a:rPr>
                               <m:t>𝑖</m:t>
@@ -5897,50 +5925,17 @@
                     </m:nary>
                   </m:oMath>
                 </a14:m>
+                <a:endParaRPr lang="en-US" sz="2400" dirty="0"/>
+              </a:p>
+              <a:p>
                 <a:r>
                   <a:rPr lang="en-US" sz="2400" dirty="0"/>
-                  <a:t>), the bundle is sold. (</a:t>
+                  <a:t>the bundle </a:t>
                 </a:r>
-                <a14:m>
-                  <m:oMath xmlns:m="http://schemas.openxmlformats.org/officeDocument/2006/math">
-                    <m:r>
-                      <a:rPr lang="en-US" sz="2400" b="0" i="1" smtClean="0">
-                        <a:latin typeface="Cambria Math" panose="02040503050406030204" pitchFamily="18" charset="0"/>
-                      </a:rPr>
-                      <m:t>𝑎</m:t>
-                    </m:r>
-                    <m:r>
-                      <a:rPr lang="en-US" sz="2400" b="0" i="1" smtClean="0">
-                        <a:latin typeface="Cambria Math" panose="02040503050406030204" pitchFamily="18" charset="0"/>
-                      </a:rPr>
-                      <m:t>=1.3 </m:t>
-                    </m:r>
-                    <m:r>
-                      <a:rPr lang="en-US" sz="2400" b="0" i="1" smtClean="0">
-                        <a:latin typeface="Cambria Math" panose="02040503050406030204" pitchFamily="18" charset="0"/>
-                      </a:rPr>
-                      <m:t>𝑐𝑢𝑟𝑟𝑒𝑛𝑡𝑙𝑦</m:t>
-                    </m:r>
-                    <m:r>
-                      <a:rPr lang="en-US" sz="2400" b="0" i="1" smtClean="0">
-                        <a:latin typeface="Cambria Math" panose="02040503050406030204" pitchFamily="18" charset="0"/>
-                      </a:rPr>
-                      <m:t> </m:t>
-                    </m:r>
-                    <m:r>
-                      <a:rPr lang="en-US" sz="2400" b="0" i="1" smtClean="0">
-                        <a:latin typeface="Cambria Math" panose="02040503050406030204" pitchFamily="18" charset="0"/>
-                      </a:rPr>
-                      <m:t>𝑎𝑟𝑏𝑖𝑡𝑟𝑎𝑟𝑖𝑙𝑦</m:t>
-                    </m:r>
-                    <m:r>
-                      <a:rPr lang="en-US" sz="2400" b="0" i="1" smtClean="0">
-                        <a:latin typeface="Cambria Math" panose="02040503050406030204" pitchFamily="18" charset="0"/>
-                      </a:rPr>
-                      <m:t>.)</m:t>
-                    </m:r>
-                  </m:oMath>
-                </a14:m>
+                <a:r>
+                  <a:rPr lang="en-US" sz="2400"/>
+                  <a:t>is sold.</a:t>
+                </a:r>
                 <a:endParaRPr lang="en-US" sz="2400" b="0" dirty="0"/>
               </a:p>
             </p:txBody>
@@ -5967,7 +5962,7 @@
               <a:blipFill>
                 <a:blip r:embed="rId2"/>
                 <a:stretch>
-                  <a:fillRect l="-552" r="-1105"/>
+                  <a:fillRect l="-552"/>
                 </a:stretch>
               </a:blipFill>
             </p:spPr>
